--- a/Projet/jalon 4/Présentation finale.pptx
+++ b/Projet/jalon 4/Présentation finale.pptx
@@ -10,6 +10,7 @@
     <p:sldId id="257" r:id="rId4"/>
     <p:sldId id="258" r:id="rId5"/>
     <p:sldId id="259" r:id="rId6"/>
+    <p:sldId id="262" r:id="rId7"/>
   </p:sldIdLst>
   <p:sldSz cx="9144000" cy="6858000" type="screen4x3"/>
   <p:notesSz cx="6797675" cy="9926638"/>
@@ -5308,11 +5309,7 @@
             </a:r>
             <a:r>
               <a:rPr lang="fr-FR" dirty="0" smtClean="0"/>
-              <a:t> en </a:t>
-            </a:r>
-            <a:r>
-              <a:rPr lang="fr-FR" dirty="0" smtClean="0"/>
-              <a:t>java :</a:t>
+              <a:t> en java :</a:t>
             </a:r>
           </a:p>
           <a:p>
@@ -5749,6 +5746,129 @@
       </p:par>
     </p:tnLst>
   </p:timing>
+</p:sld>
+</file>
+
+<file path=ppt/slides/slide6.xml><?xml version="1.0" encoding="utf-8"?>
+<p:sld xmlns:a="http://schemas.openxmlformats.org/drawingml/2006/main" xmlns:r="http://schemas.openxmlformats.org/officeDocument/2006/relationships" xmlns:p="http://schemas.openxmlformats.org/presentationml/2006/main">
+  <p:cSld>
+    <p:spTree>
+      <p:nvGrpSpPr>
+        <p:cNvPr id="1" name=""/>
+        <p:cNvGrpSpPr/>
+        <p:nvPr/>
+      </p:nvGrpSpPr>
+      <p:grpSpPr>
+        <a:xfrm>
+          <a:off x="0" y="0"/>
+          <a:ext cx="0" cy="0"/>
+          <a:chOff x="0" y="0"/>
+          <a:chExt cx="0" cy="0"/>
+        </a:xfrm>
+      </p:grpSpPr>
+      <p:sp>
+        <p:nvSpPr>
+          <p:cNvPr id="2" name="Titre 1"/>
+          <p:cNvSpPr>
+            <a:spLocks noGrp="1"/>
+          </p:cNvSpPr>
+          <p:nvPr>
+            <p:ph type="title"/>
+          </p:nvPr>
+        </p:nvSpPr>
+        <p:spPr/>
+        <p:txBody>
+          <a:bodyPr/>
+          <a:lstStyle/>
+          <a:p>
+            <a:r>
+              <a:rPr lang="fr-FR" dirty="0" smtClean="0"/>
+              <a:t>Les Apports de ce projet</a:t>
+            </a:r>
+            <a:endParaRPr lang="fr-FR" dirty="0"/>
+          </a:p>
+        </p:txBody>
+      </p:sp>
+      <p:sp>
+        <p:nvSpPr>
+          <p:cNvPr id="3" name="Espace réservé du contenu 2"/>
+          <p:cNvSpPr>
+            <a:spLocks noGrp="1"/>
+          </p:cNvSpPr>
+          <p:nvPr>
+            <p:ph idx="1"/>
+          </p:nvPr>
+        </p:nvSpPr>
+        <p:spPr/>
+        <p:txBody>
+          <a:bodyPr/>
+          <a:lstStyle/>
+          <a:p>
+            <a:r>
+              <a:rPr lang="fr-FR" dirty="0" smtClean="0"/>
+              <a:t>Ce projet nous a permis :</a:t>
+            </a:r>
+          </a:p>
+          <a:p>
+            <a:endParaRPr lang="fr-FR" dirty="0" smtClean="0"/>
+          </a:p>
+          <a:p>
+            <a:pPr lvl="1"/>
+            <a:r>
+              <a:rPr lang="fr-FR" dirty="0" smtClean="0"/>
+              <a:t>D’améliorer nos connaissance en java.</a:t>
+            </a:r>
+          </a:p>
+          <a:p>
+            <a:pPr lvl="1"/>
+            <a:endParaRPr lang="fr-FR" dirty="0" smtClean="0"/>
+          </a:p>
+          <a:p>
+            <a:pPr lvl="1"/>
+            <a:r>
+              <a:rPr lang="fr-FR" dirty="0" smtClean="0"/>
+              <a:t>De travailler en autonomie.</a:t>
+            </a:r>
+          </a:p>
+          <a:p>
+            <a:pPr lvl="1"/>
+            <a:endParaRPr lang="fr-FR" dirty="0" smtClean="0"/>
+          </a:p>
+          <a:p>
+            <a:pPr lvl="1"/>
+            <a:r>
+              <a:rPr lang="fr-FR" dirty="0" smtClean="0"/>
+              <a:t>De travailler </a:t>
+            </a:r>
+            <a:r>
+              <a:rPr lang="fr-FR" smtClean="0"/>
+              <a:t>en équipe</a:t>
+            </a:r>
+          </a:p>
+          <a:p>
+            <a:pPr lvl="1"/>
+            <a:endParaRPr lang="fr-FR" dirty="0" smtClean="0"/>
+          </a:p>
+          <a:p>
+            <a:pPr lvl="1"/>
+            <a:r>
+              <a:rPr lang="fr-FR" dirty="0" smtClean="0"/>
+              <a:t>De mener les démarches de gestions de projet vus en cours</a:t>
+            </a:r>
+            <a:endParaRPr lang="fr-FR" dirty="0"/>
+          </a:p>
+        </p:txBody>
+      </p:sp>
+    </p:spTree>
+    <p:extLst>
+      <p:ext uri="{BB962C8B-B14F-4D97-AF65-F5344CB8AC3E}">
+        <p14:creationId xmlns:p14="http://schemas.microsoft.com/office/powerpoint/2010/main" val="604459164"/>
+      </p:ext>
+    </p:extLst>
+  </p:cSld>
+  <p:clrMapOvr>
+    <a:masterClrMapping/>
+  </p:clrMapOvr>
 </p:sld>
 </file>
 

--- a/Projet/jalon 4/Présentation finale.pptx
+++ b/Projet/jalon 4/Présentation finale.pptx
@@ -1,6 +1,6 @@
 
 <file path=ppt/presentation.xml><?xml version="1.0" encoding="utf-8"?>
-<p:presentation xmlns:a="http://schemas.openxmlformats.org/drawingml/2006/main" xmlns:r="http://schemas.openxmlformats.org/officeDocument/2006/relationships" xmlns:p="http://schemas.openxmlformats.org/presentationml/2006/main" saveSubsetFonts="1">
+<p:presentation xmlns:a="http://schemas.openxmlformats.org/drawingml/2006/main" xmlns:r="http://schemas.openxmlformats.org/officeDocument/2006/relationships" xmlns:p="http://schemas.openxmlformats.org/presentationml/2006/main" serverZoom="31250" saveSubsetFonts="1">
   <p:sldMasterIdLst>
     <p:sldMasterId id="2147483672" r:id="rId1"/>
   </p:sldMasterIdLst>
@@ -931,7 +931,7 @@
           <a:p>
             <a:fld id="{D75261ED-D877-4E93-A4BE-43060BD3097C}" type="datetimeFigureOut">
               <a:rPr lang="fr-FR" smtClean="0"/>
-              <a:t>10/06/2015</a:t>
+              <a:t>11/06/2015</a:t>
             </a:fld>
             <a:endParaRPr lang="fr-FR"/>
           </a:p>
@@ -1096,7 +1096,7 @@
           <a:p>
             <a:fld id="{D75261ED-D877-4E93-A4BE-43060BD3097C}" type="datetimeFigureOut">
               <a:rPr lang="fr-FR" smtClean="0"/>
-              <a:t>10/06/2015</a:t>
+              <a:t>11/06/2015</a:t>
             </a:fld>
             <a:endParaRPr lang="fr-FR"/>
           </a:p>
@@ -1271,7 +1271,7 @@
           <a:p>
             <a:fld id="{D75261ED-D877-4E93-A4BE-43060BD3097C}" type="datetimeFigureOut">
               <a:rPr lang="fr-FR" smtClean="0"/>
-              <a:t>10/06/2015</a:t>
+              <a:t>11/06/2015</a:t>
             </a:fld>
             <a:endParaRPr lang="fr-FR"/>
           </a:p>
@@ -1436,7 +1436,7 @@
           <a:p>
             <a:fld id="{D75261ED-D877-4E93-A4BE-43060BD3097C}" type="datetimeFigureOut">
               <a:rPr lang="fr-FR" smtClean="0"/>
-              <a:t>10/06/2015</a:t>
+              <a:t>11/06/2015</a:t>
             </a:fld>
             <a:endParaRPr lang="fr-FR"/>
           </a:p>
@@ -1989,7 +1989,7 @@
           <a:p>
             <a:fld id="{D75261ED-D877-4E93-A4BE-43060BD3097C}" type="datetimeFigureOut">
               <a:rPr lang="fr-FR" smtClean="0"/>
-              <a:t>10/06/2015</a:t>
+              <a:t>11/06/2015</a:t>
             </a:fld>
             <a:endParaRPr lang="fr-FR"/>
           </a:p>
@@ -2249,7 +2249,7 @@
           <a:p>
             <a:fld id="{D75261ED-D877-4E93-A4BE-43060BD3097C}" type="datetimeFigureOut">
               <a:rPr lang="fr-FR" smtClean="0"/>
-              <a:t>10/06/2015</a:t>
+              <a:t>11/06/2015</a:t>
             </a:fld>
             <a:endParaRPr lang="fr-FR"/>
           </a:p>
@@ -2737,7 +2737,7 @@
           <a:p>
             <a:fld id="{D75261ED-D877-4E93-A4BE-43060BD3097C}" type="datetimeFigureOut">
               <a:rPr lang="fr-FR" smtClean="0"/>
-              <a:t>10/06/2015</a:t>
+              <a:t>11/06/2015</a:t>
             </a:fld>
             <a:endParaRPr lang="fr-FR"/>
           </a:p>
@@ -2850,7 +2850,7 @@
           <a:p>
             <a:fld id="{D75261ED-D877-4E93-A4BE-43060BD3097C}" type="datetimeFigureOut">
               <a:rPr lang="fr-FR" smtClean="0"/>
-              <a:t>10/06/2015</a:t>
+              <a:t>11/06/2015</a:t>
             </a:fld>
             <a:endParaRPr lang="fr-FR"/>
           </a:p>
@@ -2940,7 +2940,7 @@
           <a:p>
             <a:fld id="{D75261ED-D877-4E93-A4BE-43060BD3097C}" type="datetimeFigureOut">
               <a:rPr lang="fr-FR" smtClean="0"/>
-              <a:t>10/06/2015</a:t>
+              <a:t>11/06/2015</a:t>
             </a:fld>
             <a:endParaRPr lang="fr-FR"/>
           </a:p>
@@ -3370,7 +3370,7 @@
           <a:p>
             <a:fld id="{D75261ED-D877-4E93-A4BE-43060BD3097C}" type="datetimeFigureOut">
               <a:rPr lang="fr-FR" smtClean="0"/>
-              <a:t>10/06/2015</a:t>
+              <a:t>11/06/2015</a:t>
             </a:fld>
             <a:endParaRPr lang="fr-FR"/>
           </a:p>
@@ -3903,7 +3903,7 @@
           <a:p>
             <a:fld id="{D75261ED-D877-4E93-A4BE-43060BD3097C}" type="datetimeFigureOut">
               <a:rPr lang="fr-FR" smtClean="0"/>
-              <a:t>10/06/2015</a:t>
+              <a:t>11/06/2015</a:t>
             </a:fld>
             <a:endParaRPr lang="fr-FR"/>
           </a:p>
@@ -4743,7 +4743,7 @@
           <a:p>
             <a:fld id="{D75261ED-D877-4E93-A4BE-43060BD3097C}" type="datetimeFigureOut">
               <a:rPr lang="fr-FR" smtClean="0"/>
-              <a:t>10/06/2015</a:t>
+              <a:t>11/06/2015</a:t>
             </a:fld>
             <a:endParaRPr lang="fr-FR"/>
           </a:p>
@@ -5560,13 +5560,11 @@
       </p:sp>
       <p:pic>
         <p:nvPicPr>
-          <p:cNvPr id="1026" name="Picture 2"/>
+          <p:cNvPr id="3" name="Picture 2"/>
           <p:cNvPicPr>
-            <a:picLocks noGrp="1" noChangeAspect="1" noChangeArrowheads="1"/>
+            <a:picLocks noChangeAspect="1" noChangeArrowheads="1"/>
           </p:cNvPicPr>
-          <p:nvPr>
-            <p:ph idx="1"/>
-          </p:nvPr>
+          <p:nvPr/>
         </p:nvPicPr>
         <p:blipFill>
           <a:blip r:embed="rId2">
@@ -5583,8 +5581,8 @@
         </p:blipFill>
         <p:spPr bwMode="auto">
           <a:xfrm>
-            <a:off x="179512" y="1556792"/>
-            <a:ext cx="8662739" cy="4320480"/>
+            <a:off x="-1476672" y="908720"/>
+            <a:ext cx="10513168" cy="3249525"/>
           </a:xfrm>
           <a:prstGeom prst="rect">
             <a:avLst/>
